--- a/_book/plot/content-strain-name-1.pptx
+++ b/_book/plot/content-strain-name-1.pptx
@@ -3108,10 +3108,10 @@
         </p:nvGrpSpPr>
         <p:grpSpPr>
           <a:xfrm>
-            <a:off x="2148682" y="1495425"/>
-            <a:ext cx="6400800" cy="4572000"/>
-            <a:chOff x="2148682" y="1495425"/>
-            <a:chExt cx="6400800" cy="4572000"/>
+            <a:off x="1691482" y="1521028"/>
+            <a:ext cx="7315200" cy="4520794"/>
+            <a:chOff x="1691482" y="1521028"/>
+            <a:chExt cx="7315200" cy="4520794"/>
           </a:xfrm>
         </p:grpSpPr>
         <p:sp>
@@ -3122,8 +3122,8 @@
           </p:nvSpPr>
           <p:spPr>
             <a:xfrm>
-              <a:off x="2148681" y="1495425"/>
-              <a:ext cx="6400799" cy="4571999"/>
+              <a:off x="1691481" y="1521028"/>
+              <a:ext cx="7315199" cy="4520793"/>
             </a:xfrm>
             <a:prstGeom prst="rect">
               <a:avLst/>
@@ -3203,7 +3203,7 @@
           </p:nvSpPr>
           <p:spPr>
             <a:xfrm>
-              <a:off x="4790374" y="3880402"/>
+              <a:off x="4780679" y="3878897"/>
               <a:ext cx="984634" cy="60726"/>
             </a:xfrm>
             <a:prstGeom prst="rect">
@@ -3249,7 +3249,7 @@
           </p:nvSpPr>
           <p:spPr>
             <a:xfrm>
-              <a:off x="4873986" y="3555204"/>
+              <a:off x="4917706" y="3557288"/>
               <a:ext cx="1548960" cy="88617"/>
             </a:xfrm>
             <a:prstGeom prst="rect">
@@ -3295,7 +3295,7 @@
           </p:nvSpPr>
           <p:spPr>
             <a:xfrm rot="-5400000">
-              <a:off x="3242098" y="3550686"/>
+              <a:off x="3249353" y="3463526"/>
               <a:ext cx="2515635" cy="162766"/>
             </a:xfrm>
             <a:prstGeom prst="rect">
@@ -3341,7 +3341,7 @@
           </p:nvSpPr>
           <p:spPr>
             <a:xfrm rot="-5400000">
-              <a:off x="3960654" y="3613193"/>
+              <a:off x="3990425" y="3788036"/>
               <a:ext cx="731881" cy="53858"/>
             </a:xfrm>
             <a:prstGeom prst="rect">
@@ -3387,7 +3387,7 @@
           </p:nvSpPr>
           <p:spPr>
             <a:xfrm rot="-5400000">
-              <a:off x="5890969" y="3858784"/>
+              <a:off x="3601819" y="3531889"/>
               <a:ext cx="1259961" cy="66915"/>
             </a:xfrm>
             <a:prstGeom prst="rect">
@@ -3433,7 +3433,7 @@
           </p:nvSpPr>
           <p:spPr>
             <a:xfrm>
-              <a:off x="4675574" y="4056562"/>
+              <a:off x="4676400" y="4053021"/>
               <a:ext cx="1358324" cy="60766"/>
             </a:xfrm>
             <a:prstGeom prst="rect">
@@ -3479,7 +3479,7 @@
           </p:nvSpPr>
           <p:spPr>
             <a:xfrm>
-              <a:off x="4807698" y="3050915"/>
+              <a:off x="5000833" y="3408195"/>
               <a:ext cx="1924326" cy="111042"/>
             </a:xfrm>
             <a:prstGeom prst="rect">
@@ -3525,7 +3525,7 @@
           </p:nvSpPr>
           <p:spPr>
             <a:xfrm>
-              <a:off x="4931764" y="3454454"/>
+              <a:off x="4753725" y="4207257"/>
               <a:ext cx="1283381" cy="62212"/>
             </a:xfrm>
             <a:prstGeom prst="rect">
@@ -3571,7 +3571,7 @@
           </p:nvSpPr>
           <p:spPr>
             <a:xfrm>
-              <a:off x="4776027" y="3307823"/>
+              <a:off x="5127397" y="3247887"/>
               <a:ext cx="1299686" cy="82052"/>
             </a:xfrm>
             <a:prstGeom prst="rect">
@@ -3617,7 +3617,7 @@
           </p:nvSpPr>
           <p:spPr>
             <a:xfrm>
-              <a:off x="4734237" y="4631029"/>
+              <a:off x="4666146" y="4448802"/>
               <a:ext cx="3262719" cy="161681"/>
             </a:xfrm>
             <a:prstGeom prst="rect">
@@ -3663,7 +3663,7 @@
           </p:nvSpPr>
           <p:spPr>
             <a:xfrm>
-              <a:off x="4633514" y="4267254"/>
+              <a:off x="6050274" y="3981472"/>
               <a:ext cx="1550045" cy="75957"/>
             </a:xfrm>
             <a:prstGeom prst="rect">
@@ -3709,7 +3709,7 @@
           </p:nvSpPr>
           <p:spPr>
             <a:xfrm>
-              <a:off x="4767952" y="4464568"/>
+              <a:off x="6218932" y="3787289"/>
               <a:ext cx="1517243" cy="84638"/>
             </a:xfrm>
             <a:prstGeom prst="rect">
@@ -3755,7 +3755,7 @@
           </p:nvSpPr>
           <p:spPr>
             <a:xfrm>
-              <a:off x="2449716" y="4857662"/>
+              <a:off x="2786769" y="4754986"/>
               <a:ext cx="5281038" cy="267660"/>
             </a:xfrm>
             <a:prstGeom prst="rect">
@@ -3801,7 +3801,7 @@
           </p:nvSpPr>
           <p:spPr>
             <a:xfrm>
-              <a:off x="4724858" y="2768244"/>
+              <a:off x="4655855" y="2949852"/>
               <a:ext cx="3308706" cy="160957"/>
             </a:xfrm>
             <a:prstGeom prst="rect">
@@ -3847,7 +3847,7 @@
           </p:nvSpPr>
           <p:spPr>
             <a:xfrm>
-              <a:off x="3376687" y="3484545"/>
+              <a:off x="5422909" y="4319106"/>
               <a:ext cx="834503" cy="54255"/>
             </a:xfrm>
             <a:prstGeom prst="rect">
@@ -3893,7 +3893,7 @@
           </p:nvSpPr>
           <p:spPr>
             <a:xfrm>
-              <a:off x="3277628" y="3634838"/>
+              <a:off x="3252511" y="3733488"/>
               <a:ext cx="860444" cy="54617"/>
             </a:xfrm>
             <a:prstGeom prst="rect">
@@ -3939,7 +3939,7 @@
           </p:nvSpPr>
           <p:spPr>
             <a:xfrm>
-              <a:off x="2973963" y="3803836"/>
+              <a:off x="2991435" y="3617884"/>
               <a:ext cx="1173616" cy="58595"/>
             </a:xfrm>
             <a:prstGeom prst="rect">
@@ -3985,7 +3985,7 @@
           </p:nvSpPr>
           <p:spPr>
             <a:xfrm>
-              <a:off x="3172442" y="3994713"/>
+              <a:off x="3112086" y="3877685"/>
               <a:ext cx="1079245" cy="70170"/>
             </a:xfrm>
             <a:prstGeom prst="rect">
@@ -4031,7 +4031,7 @@
           </p:nvSpPr>
           <p:spPr>
             <a:xfrm>
-              <a:off x="3072253" y="3371202"/>
+              <a:off x="6311151" y="4146169"/>
               <a:ext cx="1122621" cy="54617"/>
             </a:xfrm>
             <a:prstGeom prst="rect">
@@ -4077,7 +4077,7 @@
           </p:nvSpPr>
           <p:spPr>
             <a:xfrm rot="-5400000">
-              <a:off x="5969077" y="4124397"/>
+              <a:off x="3707606" y="3093947"/>
               <a:ext cx="780925" cy="57510"/>
             </a:xfrm>
             <a:prstGeom prst="rect">
@@ -4123,7 +4123,7 @@
           </p:nvSpPr>
           <p:spPr>
             <a:xfrm>
-              <a:off x="3289408" y="4166195"/>
+              <a:off x="3166763" y="4029448"/>
               <a:ext cx="947166" cy="75595"/>
             </a:xfrm>
             <a:prstGeom prst="rect">
@@ -4169,7 +4169,7 @@
           </p:nvSpPr>
           <p:spPr>
             <a:xfrm>
-              <a:off x="6641371" y="3932805"/>
+              <a:off x="6722002" y="3599080"/>
               <a:ext cx="1404477" cy="73425"/>
             </a:xfrm>
             <a:prstGeom prst="rect">
@@ -4215,7 +4215,7 @@
           </p:nvSpPr>
           <p:spPr>
             <a:xfrm>
-              <a:off x="6767950" y="3806043"/>
+              <a:off x="2970360" y="3398122"/>
               <a:ext cx="1008160" cy="62171"/>
             </a:xfrm>
             <a:prstGeom prst="rect">
@@ -4261,7 +4261,7 @@
           </p:nvSpPr>
           <p:spPr>
             <a:xfrm rot="-5400000">
-              <a:off x="1887473" y="3384218"/>
+              <a:off x="1753256" y="3415814"/>
               <a:ext cx="1912655" cy="102000"/>
             </a:xfrm>
             <a:prstGeom prst="rect">
@@ -4307,7 +4307,7 @@
           </p:nvSpPr>
           <p:spPr>
             <a:xfrm>
-              <a:off x="6595009" y="4106381"/>
+              <a:off x="2854736" y="4389105"/>
               <a:ext cx="1505340" cy="77766"/>
             </a:xfrm>
             <a:prstGeom prst="rect">
@@ -4353,7 +4353,7 @@
           </p:nvSpPr>
           <p:spPr>
             <a:xfrm>
-              <a:off x="4799243" y="2456941"/>
+              <a:off x="4778419" y="2656526"/>
               <a:ext cx="2500096" cy="195913"/>
             </a:xfrm>
             <a:prstGeom prst="rect">
@@ -4399,7 +4399,7 @@
           </p:nvSpPr>
           <p:spPr>
             <a:xfrm>
-              <a:off x="6739244" y="3613611"/>
+              <a:off x="6590805" y="4278028"/>
               <a:ext cx="1307907" cy="84638"/>
             </a:xfrm>
             <a:prstGeom prst="rect">
@@ -4445,7 +4445,7 @@
           </p:nvSpPr>
           <p:spPr>
             <a:xfrm>
-              <a:off x="6769997" y="3437889"/>
+              <a:off x="6592771" y="3289123"/>
               <a:ext cx="936569" cy="61489"/>
             </a:xfrm>
             <a:prstGeom prst="rect">
@@ -4491,7 +4491,7 @@
           </p:nvSpPr>
           <p:spPr>
             <a:xfrm>
-              <a:off x="6625803" y="3283566"/>
+              <a:off x="2828499" y="4607080"/>
               <a:ext cx="1295633" cy="67955"/>
             </a:xfrm>
             <a:prstGeom prst="rect">
@@ -4537,7 +4537,7 @@
           </p:nvSpPr>
           <p:spPr>
             <a:xfrm>
-              <a:off x="3114541" y="4318680"/>
+              <a:off x="2929607" y="4166627"/>
               <a:ext cx="1250397" cy="59319"/>
             </a:xfrm>
             <a:prstGeom prst="rect">
@@ -4583,7 +4583,7 @@
           </p:nvSpPr>
           <p:spPr>
             <a:xfrm rot="-5400000">
-              <a:off x="3522132" y="2655030"/>
+              <a:off x="1941336" y="3501493"/>
               <a:ext cx="1244863" cy="56063"/>
             </a:xfrm>
             <a:prstGeom prst="rect">
@@ -4629,7 +4629,7 @@
           </p:nvSpPr>
           <p:spPr>
             <a:xfrm>
-              <a:off x="6668468" y="4349813"/>
+              <a:off x="7089303" y="3445370"/>
               <a:ext cx="1384291" cy="71255"/>
             </a:xfrm>
             <a:prstGeom prst="rect">
@@ -4675,7 +4675,7 @@
           </p:nvSpPr>
           <p:spPr>
             <a:xfrm>
-              <a:off x="2333804" y="4471364"/>
+              <a:off x="5064475" y="2474356"/>
               <a:ext cx="1716170" cy="89702"/>
             </a:xfrm>
             <a:prstGeom prst="rect">
@@ -4721,7 +4721,7 @@
           </p:nvSpPr>
           <p:spPr>
             <a:xfrm>
-              <a:off x="3083622" y="3141359"/>
+              <a:off x="3020452" y="3206228"/>
               <a:ext cx="1026219" cy="58957"/>
             </a:xfrm>
             <a:prstGeom prst="rect">
@@ -4767,7 +4767,7 @@
           </p:nvSpPr>
           <p:spPr>
             <a:xfrm>
-              <a:off x="7057233" y="3120357"/>
+              <a:off x="7616593" y="4150209"/>
               <a:ext cx="1157883" cy="61489"/>
             </a:xfrm>
             <a:prstGeom prst="rect">
@@ -4813,7 +4813,7 @@
           </p:nvSpPr>
           <p:spPr>
             <a:xfrm>
-              <a:off x="3091638" y="4662212"/>
+              <a:off x="2848429" y="3012509"/>
               <a:ext cx="1146438" cy="61127"/>
             </a:xfrm>
             <a:prstGeom prst="rect">
@@ -4859,7 +4859,7 @@
           </p:nvSpPr>
           <p:spPr>
             <a:xfrm>
-              <a:off x="6724090" y="4504966"/>
+              <a:off x="7595989" y="3184539"/>
               <a:ext cx="1310606" cy="54255"/>
             </a:xfrm>
             <a:prstGeom prst="rect">
@@ -4905,7 +4905,7 @@
           </p:nvSpPr>
           <p:spPr>
             <a:xfrm>
-              <a:off x="4853283" y="2300001"/>
+              <a:off x="4077775" y="5100785"/>
               <a:ext cx="1316434" cy="73377"/>
             </a:xfrm>
             <a:prstGeom prst="rect">
@@ -4951,7 +4951,7 @@
           </p:nvSpPr>
           <p:spPr>
             <a:xfrm rot="-5400000">
-              <a:off x="2312060" y="3314360"/>
+              <a:off x="3962560" y="2653335"/>
               <a:ext cx="783113" cy="53532"/>
             </a:xfrm>
             <a:prstGeom prst="rect">
@@ -4997,7 +4997,7 @@
           </p:nvSpPr>
           <p:spPr>
             <a:xfrm>
-              <a:off x="3784760" y="5186456"/>
+              <a:off x="5462576" y="5095726"/>
               <a:ext cx="1409272" cy="76681"/>
             </a:xfrm>
             <a:prstGeom prst="rect">
@@ -5043,7 +5043,7 @@
           </p:nvSpPr>
           <p:spPr>
             <a:xfrm rot="-5400000">
-              <a:off x="3935785" y="2581927"/>
+              <a:off x="2075966" y="3551837"/>
               <a:ext cx="718924" cy="53496"/>
             </a:xfrm>
             <a:prstGeom prst="rect">
@@ -5089,7 +5089,7 @@
           </p:nvSpPr>
           <p:spPr>
             <a:xfrm>
-              <a:off x="3002052" y="2843738"/>
+              <a:off x="7860531" y="3972132"/>
               <a:ext cx="935840" cy="53532"/>
             </a:xfrm>
             <a:prstGeom prst="rect">
@@ -5135,7 +5135,7 @@
           </p:nvSpPr>
           <p:spPr>
             <a:xfrm>
-              <a:off x="7520804" y="3019899"/>
+              <a:off x="2948355" y="2900503"/>
               <a:ext cx="952277" cy="54255"/>
             </a:xfrm>
             <a:prstGeom prst="rect">
@@ -5181,7 +5181,7 @@
           </p:nvSpPr>
           <p:spPr>
             <a:xfrm>
-              <a:off x="3184126" y="2948940"/>
+              <a:off x="7990441" y="3773062"/>
               <a:ext cx="746810" cy="57872"/>
             </a:xfrm>
             <a:prstGeom prst="rect">
@@ -5227,7 +5227,7 @@
           </p:nvSpPr>
           <p:spPr>
             <a:xfrm>
-              <a:off x="5304344" y="5171834"/>
+              <a:off x="7744944" y="3311877"/>
               <a:ext cx="1145808" cy="55304"/>
             </a:xfrm>
             <a:prstGeom prst="rect">
@@ -5273,7 +5273,7 @@
           </p:nvSpPr>
           <p:spPr>
             <a:xfrm>
-              <a:off x="5530136" y="5280350"/>
+              <a:off x="5257488" y="2357956"/>
               <a:ext cx="1208567" cy="62936"/>
             </a:xfrm>
             <a:prstGeom prst="rect">
@@ -5319,7 +5319,7 @@
           </p:nvSpPr>
           <p:spPr>
             <a:xfrm>
-              <a:off x="4898291" y="2160727"/>
+              <a:off x="7384432" y="2740931"/>
               <a:ext cx="1294992" cy="54978"/>
             </a:xfrm>
             <a:prstGeom prst="rect">
@@ -5365,7 +5365,7 @@
           </p:nvSpPr>
           <p:spPr>
             <a:xfrm rot="-5400000">
-              <a:off x="1923519" y="3470136"/>
+              <a:off x="1683898" y="3645103"/>
               <a:ext cx="1185486" cy="61489"/>
             </a:xfrm>
             <a:prstGeom prst="rect">
@@ -5411,7 +5411,7 @@
           </p:nvSpPr>
           <p:spPr>
             <a:xfrm>
-              <a:off x="3281460" y="3248311"/>
+              <a:off x="4678748" y="4319205"/>
               <a:ext cx="629539" cy="57834"/>
             </a:xfrm>
             <a:prstGeom prst="rect">
@@ -5457,7 +5457,7 @@
           </p:nvSpPr>
           <p:spPr>
             <a:xfrm>
-              <a:off x="3458446" y="5373310"/>
+              <a:off x="5236528" y="2208614"/>
               <a:ext cx="1580999" cy="80298"/>
             </a:xfrm>
             <a:prstGeom prst="rect">
@@ -5503,7 +5503,7 @@
           </p:nvSpPr>
           <p:spPr>
             <a:xfrm rot="-5400000">
-              <a:off x="7460976" y="4074408"/>
+              <a:off x="1482899" y="3590799"/>
               <a:ext cx="1380698" cy="69446"/>
             </a:xfrm>
             <a:prstGeom prst="rect">
@@ -5549,7 +5549,7 @@
           </p:nvSpPr>
           <p:spPr>
             <a:xfrm>
-              <a:off x="5310866" y="5409382"/>
+              <a:off x="3853835" y="5255210"/>
               <a:ext cx="2245213" cy="173979"/>
             </a:xfrm>
             <a:prstGeom prst="rect">
@@ -5595,7 +5595,7 @@
           </p:nvSpPr>
           <p:spPr>
             <a:xfrm>
-              <a:off x="3035725" y="2484480"/>
+              <a:off x="3037336" y="2659603"/>
               <a:ext cx="1026024" cy="58957"/>
             </a:xfrm>
             <a:prstGeom prst="rect">
@@ -5641,7 +5641,7 @@
           </p:nvSpPr>
           <p:spPr>
             <a:xfrm>
-              <a:off x="6317007" y="2267692"/>
+              <a:off x="7026374" y="2404114"/>
               <a:ext cx="1805477" cy="102000"/>
             </a:xfrm>
             <a:prstGeom prst="rect">
@@ -5687,7 +5687,7 @@
           </p:nvSpPr>
           <p:spPr>
             <a:xfrm>
-              <a:off x="5477318" y="2041944"/>
+              <a:off x="2856788" y="4269725"/>
               <a:ext cx="1277921" cy="56787"/>
             </a:xfrm>
             <a:prstGeom prst="rect">
@@ -5733,7 +5733,7 @@
           </p:nvSpPr>
           <p:spPr>
             <a:xfrm>
-              <a:off x="3122569" y="2710575"/>
+              <a:off x="8063897" y="4281619"/>
               <a:ext cx="882789" cy="60003"/>
             </a:xfrm>
             <a:prstGeom prst="rect">
@@ -5779,7 +5779,7 @@
           </p:nvSpPr>
           <p:spPr>
             <a:xfrm>
-              <a:off x="4245639" y="2018990"/>
+              <a:off x="2976838" y="2496141"/>
               <a:ext cx="1098856" cy="60042"/>
             </a:xfrm>
             <a:prstGeom prst="rect">
@@ -5825,7 +5825,7 @@
           </p:nvSpPr>
           <p:spPr>
             <a:xfrm>
-              <a:off x="4750161" y="1837341"/>
+              <a:off x="6182812" y="5321400"/>
               <a:ext cx="1895274" cy="99468"/>
             </a:xfrm>
             <a:prstGeom prst="rect">
@@ -5871,7 +5871,7 @@
           </p:nvSpPr>
           <p:spPr>
             <a:xfrm rot="-5400000">
-              <a:off x="1700015" y="3617927"/>
+              <a:off x="1343822" y="3453477"/>
               <a:ext cx="1421452" cy="61127"/>
             </a:xfrm>
             <a:prstGeom prst="rect">
@@ -5917,7 +5917,7 @@
           </p:nvSpPr>
           <p:spPr>
             <a:xfrm>
-              <a:off x="6715119" y="5173710"/>
+              <a:off x="3167246" y="2287755"/>
               <a:ext cx="1053047" cy="64383"/>
             </a:xfrm>
             <a:prstGeom prst="rect">
@@ -5963,7 +5963,7 @@
           </p:nvSpPr>
           <p:spPr>
             <a:xfrm>
-              <a:off x="3082830" y="5547330"/>
+              <a:off x="2083927" y="5144341"/>
               <a:ext cx="1608236" cy="80298"/>
             </a:xfrm>
             <a:prstGeom prst="rect">
